--- a/presentation/presentation.pt-br.pptx
+++ b/presentation/presentation.pt-br.pptx
@@ -200,7 +200,7 @@
           <a:p>
             <a:fld id="{75B3A331-5AF8-0146-8CCB-FF10CA6097B8}" type="datetimeFigureOut">
               <a:rPr lang="en-US" smtClean="0"/>
-              <a:t>7/13/17</a:t>
+              <a:t>12/13/18</a:t>
             </a:fld>
             <a:endParaRPr lang="en-US"/>
           </a:p>
@@ -264,38 +264,37 @@
           <a:p>
             <a:pPr lvl="0"/>
             <a:r>
-              <a:rPr lang="en-US" smtClean="0"/>
+              <a:rPr lang="en-US"/>
               <a:t>Click to edit Master text styles</a:t>
             </a:r>
           </a:p>
           <a:p>
             <a:pPr lvl="1"/>
             <a:r>
-              <a:rPr lang="en-US" smtClean="0"/>
+              <a:rPr lang="en-US"/>
               <a:t>Second level</a:t>
             </a:r>
           </a:p>
           <a:p>
             <a:pPr lvl="2"/>
             <a:r>
-              <a:rPr lang="en-US" smtClean="0"/>
+              <a:rPr lang="en-US"/>
               <a:t>Third level</a:t>
             </a:r>
           </a:p>
           <a:p>
             <a:pPr lvl="3"/>
             <a:r>
-              <a:rPr lang="en-US" smtClean="0"/>
+              <a:rPr lang="en-US"/>
               <a:t>Fourth level</a:t>
             </a:r>
           </a:p>
           <a:p>
             <a:pPr lvl="4"/>
             <a:r>
-              <a:rPr lang="en-US" smtClean="0"/>
+              <a:rPr lang="en-US"/>
               <a:t>Fifth level</a:t>
             </a:r>
-            <a:endParaRPr lang="en-US"/>
           </a:p>
         </p:txBody>
       </p:sp>
@@ -513,332 +512,332 @@
           <a:lstStyle/>
           <a:p>
             <a:r>
-              <a:rPr lang="en-US" dirty="0" smtClean="0"/>
+              <a:rPr lang="en-US" dirty="0"/>
               <a:t>PROXY: </a:t>
             </a:r>
             <a:r>
-              <a:rPr lang="en-US" dirty="0" err="1" smtClean="0"/>
+              <a:rPr lang="en-US" dirty="0" err="1"/>
               <a:t>Recebe</a:t>
             </a:r>
             <a:r>
-              <a:rPr lang="en-US" dirty="0" smtClean="0"/>
+              <a:rPr lang="en-US" dirty="0"/>
               <a:t> </a:t>
             </a:r>
             <a:r>
-              <a:rPr lang="en-US" dirty="0" err="1" smtClean="0"/>
+              <a:rPr lang="en-US" dirty="0" err="1"/>
               <a:t>todas</a:t>
             </a:r>
             <a:r>
-              <a:rPr lang="en-US" dirty="0" smtClean="0"/>
+              <a:rPr lang="en-US" dirty="0"/>
               <a:t> as </a:t>
             </a:r>
             <a:r>
-              <a:rPr lang="en-US" dirty="0" err="1" smtClean="0"/>
+              <a:rPr lang="en-US" dirty="0" err="1"/>
               <a:t>requisições</a:t>
             </a:r>
             <a:r>
-              <a:rPr lang="en-US" dirty="0" smtClean="0"/>
+              <a:rPr lang="en-US" dirty="0"/>
               <a:t> e </a:t>
             </a:r>
             <a:r>
-              <a:rPr lang="en-US" dirty="0" err="1" smtClean="0"/>
+              <a:rPr lang="en-US" dirty="0" err="1"/>
               <a:t>direciona</a:t>
             </a:r>
             <a:r>
-              <a:rPr lang="en-US" dirty="0" smtClean="0"/>
+              <a:rPr lang="en-US" dirty="0"/>
               <a:t> para o</a:t>
             </a:r>
             <a:r>
-              <a:rPr lang="en-US" baseline="0" dirty="0" smtClean="0"/>
+              <a:rPr lang="en-US" baseline="0" dirty="0"/>
               <a:t> mock server, </a:t>
             </a:r>
             <a:r>
-              <a:rPr lang="en-US" baseline="0" dirty="0" err="1" smtClean="0"/>
+              <a:rPr lang="en-US" baseline="0" dirty="0" err="1"/>
               <a:t>pode</a:t>
             </a:r>
             <a:r>
-              <a:rPr lang="en-US" baseline="0" dirty="0" smtClean="0"/>
+              <a:rPr lang="en-US" baseline="0" dirty="0"/>
               <a:t> </a:t>
             </a:r>
             <a:r>
-              <a:rPr lang="en-US" baseline="0" dirty="0" err="1" smtClean="0"/>
+              <a:rPr lang="en-US" baseline="0" dirty="0" err="1"/>
               <a:t>ser</a:t>
             </a:r>
             <a:r>
-              <a:rPr lang="en-US" baseline="0" dirty="0" smtClean="0"/>
+              <a:rPr lang="en-US" baseline="0" dirty="0"/>
               <a:t> </a:t>
             </a:r>
             <a:r>
-              <a:rPr lang="en-US" baseline="0" dirty="0" err="1" smtClean="0"/>
+              <a:rPr lang="en-US" baseline="0" dirty="0" err="1"/>
               <a:t>configurado</a:t>
             </a:r>
             <a:r>
-              <a:rPr lang="en-US" baseline="0" dirty="0" smtClean="0"/>
+              <a:rPr lang="en-US" baseline="0" dirty="0"/>
               <a:t> para </a:t>
             </a:r>
             <a:r>
-              <a:rPr lang="en-US" baseline="0" dirty="0" err="1" smtClean="0"/>
+              <a:rPr lang="en-US" baseline="0" dirty="0" err="1"/>
               <a:t>ouvir</a:t>
             </a:r>
             <a:r>
-              <a:rPr lang="en-US" baseline="0" dirty="0" smtClean="0"/>
+              <a:rPr lang="en-US" baseline="0" dirty="0"/>
               <a:t> </a:t>
             </a:r>
             <a:r>
-              <a:rPr lang="en-US" baseline="0" dirty="0" err="1" smtClean="0"/>
+              <a:rPr lang="en-US" baseline="0" dirty="0" err="1"/>
               <a:t>diversas</a:t>
             </a:r>
             <a:r>
-              <a:rPr lang="en-US" baseline="0" dirty="0" smtClean="0"/>
+              <a:rPr lang="en-US" baseline="0" dirty="0"/>
               <a:t> </a:t>
             </a:r>
             <a:r>
-              <a:rPr lang="en-US" baseline="0" dirty="0" err="1" smtClean="0"/>
+              <a:rPr lang="en-US" baseline="0" dirty="0" err="1"/>
               <a:t>portas</a:t>
             </a:r>
             <a:r>
-              <a:rPr lang="en-US" baseline="0" dirty="0" smtClean="0"/>
+              <a:rPr lang="en-US" baseline="0" dirty="0"/>
               <a:t>, </a:t>
             </a:r>
             <a:r>
-              <a:rPr lang="en-US" baseline="0" dirty="0" err="1" smtClean="0"/>
+              <a:rPr lang="en-US" baseline="0" dirty="0" err="1"/>
               <a:t>também</a:t>
             </a:r>
             <a:r>
-              <a:rPr lang="en-US" baseline="0" dirty="0" smtClean="0"/>
+              <a:rPr lang="en-US" baseline="0" dirty="0"/>
               <a:t> serve o front-end </a:t>
             </a:r>
             <a:r>
-              <a:rPr lang="en-US" baseline="0" dirty="0" err="1" smtClean="0"/>
+              <a:rPr lang="en-US" baseline="0" dirty="0" err="1"/>
               <a:t>em</a:t>
             </a:r>
             <a:r>
-              <a:rPr lang="en-US" baseline="0" dirty="0" smtClean="0"/>
-              <a:t> AngularJS2 para </a:t>
-            </a:r>
-            <a:r>
-              <a:rPr lang="en-US" baseline="0" dirty="0" err="1" smtClean="0"/>
+              <a:rPr lang="en-US" baseline="0" dirty="0"/>
+              <a:t> Angular para </a:t>
+            </a:r>
+            <a:r>
+              <a:rPr lang="en-US" baseline="0" dirty="0" err="1"/>
               <a:t>fazer</a:t>
             </a:r>
             <a:r>
-              <a:rPr lang="en-US" baseline="0" dirty="0" smtClean="0"/>
+              <a:rPr lang="en-US" baseline="0" dirty="0"/>
               <a:t> a </a:t>
             </a:r>
             <a:r>
-              <a:rPr lang="en-US" baseline="0" dirty="0" err="1" smtClean="0"/>
+              <a:rPr lang="en-US" baseline="0" dirty="0" err="1"/>
               <a:t>manutenção</a:t>
             </a:r>
             <a:r>
-              <a:rPr lang="en-US" baseline="0" dirty="0" smtClean="0"/>
+              <a:rPr lang="en-US" baseline="0" dirty="0"/>
               <a:t> da </a:t>
             </a:r>
             <a:r>
-              <a:rPr lang="en-US" baseline="0" dirty="0" err="1" smtClean="0"/>
+              <a:rPr lang="en-US" baseline="0" dirty="0" err="1"/>
               <a:t>aplicação</a:t>
             </a:r>
             <a:r>
-              <a:rPr lang="en-US" baseline="0" dirty="0" smtClean="0"/>
+              <a:rPr lang="en-US" baseline="0" dirty="0"/>
               <a:t>.</a:t>
             </a:r>
           </a:p>
           <a:p>
             <a:r>
-              <a:rPr lang="en-US" baseline="0" dirty="0" smtClean="0"/>
+              <a:rPr lang="en-US" baseline="0" dirty="0"/>
               <a:t>DJANGO: </a:t>
             </a:r>
             <a:r>
-              <a:rPr lang="en-US" baseline="0" dirty="0" err="1" smtClean="0"/>
+              <a:rPr lang="en-US" baseline="0" dirty="0" err="1"/>
               <a:t>Recebe</a:t>
             </a:r>
             <a:r>
-              <a:rPr lang="en-US" baseline="0" dirty="0" smtClean="0"/>
+              <a:rPr lang="en-US" baseline="0" dirty="0"/>
               <a:t> as </a:t>
             </a:r>
             <a:r>
-              <a:rPr lang="en-US" baseline="0" dirty="0" err="1" smtClean="0"/>
+              <a:rPr lang="en-US" baseline="0" dirty="0" err="1"/>
               <a:t>requisições</a:t>
             </a:r>
             <a:r>
-              <a:rPr lang="en-US" baseline="0" dirty="0" smtClean="0"/>
+              <a:rPr lang="en-US" baseline="0" dirty="0"/>
               <a:t> e </a:t>
             </a:r>
             <a:r>
-              <a:rPr lang="en-US" baseline="0" dirty="0" err="1" smtClean="0"/>
+              <a:rPr lang="en-US" baseline="0" dirty="0" err="1"/>
               <a:t>retorna</a:t>
             </a:r>
             <a:r>
-              <a:rPr lang="en-US" baseline="0" dirty="0" smtClean="0"/>
+              <a:rPr lang="en-US" baseline="0" dirty="0"/>
               <a:t> </a:t>
             </a:r>
             <a:r>
-              <a:rPr lang="en-US" baseline="0" dirty="0" err="1" smtClean="0"/>
+              <a:rPr lang="en-US" baseline="0" dirty="0" err="1"/>
               <a:t>respostas</a:t>
             </a:r>
             <a:r>
-              <a:rPr lang="en-US" baseline="0" dirty="0" smtClean="0"/>
+              <a:rPr lang="en-US" baseline="0" dirty="0"/>
               <a:t> de </a:t>
             </a:r>
             <a:r>
-              <a:rPr lang="en-US" baseline="0" dirty="0" err="1" smtClean="0"/>
+              <a:rPr lang="en-US" baseline="0" dirty="0" err="1"/>
               <a:t>acordo</a:t>
             </a:r>
             <a:r>
-              <a:rPr lang="en-US" baseline="0" dirty="0" smtClean="0"/>
+              <a:rPr lang="en-US" baseline="0" dirty="0"/>
               <a:t> com a </a:t>
             </a:r>
             <a:r>
-              <a:rPr lang="en-US" baseline="0" dirty="0" err="1" smtClean="0"/>
+              <a:rPr lang="en-US" baseline="0" dirty="0" err="1"/>
               <a:t>estratégia</a:t>
             </a:r>
             <a:r>
-              <a:rPr lang="en-US" baseline="0" dirty="0" smtClean="0"/>
+              <a:rPr lang="en-US" baseline="0" dirty="0"/>
               <a:t> </a:t>
             </a:r>
             <a:r>
-              <a:rPr lang="en-US" baseline="0" dirty="0" err="1" smtClean="0"/>
+              <a:rPr lang="en-US" baseline="0" dirty="0" err="1"/>
               <a:t>configurada</a:t>
             </a:r>
             <a:r>
-              <a:rPr lang="en-US" baseline="0" dirty="0" smtClean="0"/>
+              <a:rPr lang="en-US" baseline="0" dirty="0"/>
               <a:t> no </a:t>
             </a:r>
             <a:r>
-              <a:rPr lang="en-US" baseline="0" dirty="0" err="1" smtClean="0"/>
+              <a:rPr lang="en-US" baseline="0" dirty="0" err="1"/>
               <a:t>agente</a:t>
             </a:r>
             <a:r>
-              <a:rPr lang="en-US" baseline="0" dirty="0" smtClean="0"/>
+              <a:rPr lang="en-US" baseline="0" dirty="0"/>
               <a:t> (endpoint), as </a:t>
             </a:r>
             <a:r>
-              <a:rPr lang="en-US" baseline="0" dirty="0" err="1" smtClean="0"/>
+              <a:rPr lang="en-US" baseline="0" dirty="0" err="1"/>
               <a:t>estratégias</a:t>
             </a:r>
             <a:r>
-              <a:rPr lang="en-US" baseline="0" dirty="0" smtClean="0"/>
+              <a:rPr lang="en-US" baseline="0" dirty="0"/>
               <a:t> </a:t>
             </a:r>
             <a:r>
-              <a:rPr lang="en-US" baseline="0" dirty="0" err="1" smtClean="0"/>
+              <a:rPr lang="en-US" baseline="0" dirty="0" err="1"/>
               <a:t>implementadas</a:t>
             </a:r>
             <a:r>
-              <a:rPr lang="en-US" baseline="0" dirty="0" smtClean="0"/>
+              <a:rPr lang="en-US" baseline="0" dirty="0"/>
               <a:t> </a:t>
             </a:r>
             <a:r>
-              <a:rPr lang="en-US" baseline="0" dirty="0" err="1" smtClean="0"/>
+              <a:rPr lang="en-US" baseline="0" dirty="0" err="1"/>
               <a:t>são</a:t>
             </a:r>
             <a:r>
-              <a:rPr lang="en-US" baseline="0" dirty="0" smtClean="0"/>
+              <a:rPr lang="en-US" baseline="0" dirty="0"/>
               <a:t> </a:t>
             </a:r>
             <a:r>
-              <a:rPr lang="en-US" baseline="0" dirty="0" err="1" smtClean="0"/>
+              <a:rPr lang="en-US" baseline="0" dirty="0" err="1"/>
               <a:t>SimpleMockResponder</a:t>
             </a:r>
             <a:r>
-              <a:rPr lang="en-US" baseline="0" dirty="0" smtClean="0"/>
+              <a:rPr lang="en-US" baseline="0" dirty="0"/>
               <a:t> e </a:t>
             </a:r>
             <a:r>
-              <a:rPr lang="en-US" baseline="0" dirty="0" err="1" smtClean="0"/>
+              <a:rPr lang="en-US" baseline="0" dirty="0" err="1"/>
               <a:t>FilterMockResponder</a:t>
             </a:r>
             <a:r>
-              <a:rPr lang="en-US" baseline="0" dirty="0" smtClean="0"/>
+              <a:rPr lang="en-US" baseline="0" dirty="0"/>
               <a:t>.</a:t>
             </a:r>
           </a:p>
           <a:p>
             <a:r>
-              <a:rPr lang="en-US" baseline="0" dirty="0" smtClean="0"/>
+              <a:rPr lang="en-US" baseline="0" dirty="0"/>
               <a:t>POSTGRESQL: </a:t>
             </a:r>
             <a:r>
-              <a:rPr lang="en-US" baseline="0" dirty="0" err="1" smtClean="0"/>
+              <a:rPr lang="en-US" baseline="0" dirty="0" err="1"/>
               <a:t>Armazena</a:t>
             </a:r>
             <a:r>
-              <a:rPr lang="en-US" baseline="0" dirty="0" smtClean="0"/>
+              <a:rPr lang="en-US" baseline="0" dirty="0"/>
               <a:t> </a:t>
             </a:r>
             <a:r>
-              <a:rPr lang="en-US" baseline="0" dirty="0" err="1" smtClean="0"/>
+              <a:rPr lang="en-US" baseline="0" dirty="0" err="1"/>
               <a:t>todas</a:t>
             </a:r>
             <a:r>
-              <a:rPr lang="en-US" baseline="0" dirty="0" smtClean="0"/>
+              <a:rPr lang="en-US" baseline="0" dirty="0"/>
               <a:t> as </a:t>
             </a:r>
             <a:r>
-              <a:rPr lang="en-US" baseline="0" dirty="0" err="1" smtClean="0"/>
+              <a:rPr lang="en-US" baseline="0" dirty="0" err="1"/>
               <a:t>configurações</a:t>
             </a:r>
             <a:r>
-              <a:rPr lang="en-US" baseline="0" dirty="0" smtClean="0"/>
+              <a:rPr lang="en-US" baseline="0" dirty="0"/>
               <a:t> de agents, responses, </a:t>
             </a:r>
             <a:r>
-              <a:rPr lang="en-US" baseline="0" dirty="0" err="1" smtClean="0"/>
+              <a:rPr lang="en-US" baseline="0" dirty="0" err="1"/>
               <a:t>filtros</a:t>
             </a:r>
             <a:r>
-              <a:rPr lang="en-US" baseline="0" dirty="0" smtClean="0"/>
+              <a:rPr lang="en-US" baseline="0" dirty="0"/>
               <a:t>, etc.</a:t>
             </a:r>
           </a:p>
           <a:p>
             <a:r>
-              <a:rPr lang="en-US" baseline="0" dirty="0" smtClean="0"/>
+              <a:rPr lang="en-US" baseline="0" dirty="0"/>
               <a:t>MEMCACHED: </a:t>
             </a:r>
             <a:r>
-              <a:rPr lang="en-US" baseline="0" dirty="0" err="1" smtClean="0"/>
+              <a:rPr lang="en-US" baseline="0" dirty="0" err="1"/>
               <a:t>Armazena</a:t>
             </a:r>
             <a:r>
-              <a:rPr lang="en-US" baseline="0" dirty="0" smtClean="0"/>
+              <a:rPr lang="en-US" baseline="0" dirty="0"/>
               <a:t> </a:t>
             </a:r>
             <a:r>
-              <a:rPr lang="en-US" baseline="0" dirty="0" err="1" smtClean="0"/>
+              <a:rPr lang="en-US" baseline="0" dirty="0" err="1"/>
               <a:t>os</a:t>
             </a:r>
             <a:r>
-              <a:rPr lang="en-US" baseline="0" dirty="0" smtClean="0"/>
+              <a:rPr lang="en-US" baseline="0" dirty="0"/>
               <a:t> agents </a:t>
             </a:r>
             <a:r>
-              <a:rPr lang="en-US" baseline="0" dirty="0" err="1" smtClean="0"/>
+              <a:rPr lang="en-US" baseline="0" dirty="0" err="1"/>
               <a:t>já</a:t>
             </a:r>
             <a:r>
-              <a:rPr lang="en-US" baseline="0" dirty="0" smtClean="0"/>
+              <a:rPr lang="en-US" baseline="0" dirty="0"/>
               <a:t> </a:t>
             </a:r>
             <a:r>
-              <a:rPr lang="en-US" baseline="0" dirty="0" err="1" smtClean="0"/>
+              <a:rPr lang="en-US" baseline="0" dirty="0" err="1"/>
               <a:t>instanciados</a:t>
             </a:r>
             <a:r>
-              <a:rPr lang="en-US" baseline="0" dirty="0" smtClean="0"/>
+              <a:rPr lang="en-US" baseline="0" dirty="0"/>
               <a:t> no cache para responder de forma </a:t>
             </a:r>
             <a:r>
-              <a:rPr lang="en-US" baseline="0" dirty="0" err="1" smtClean="0"/>
+              <a:rPr lang="en-US" baseline="0" dirty="0" err="1"/>
               <a:t>mais</a:t>
             </a:r>
             <a:r>
-              <a:rPr lang="en-US" baseline="0" dirty="0" smtClean="0"/>
+              <a:rPr lang="en-US" baseline="0" dirty="0"/>
               <a:t> </a:t>
             </a:r>
             <a:r>
-              <a:rPr lang="en-US" baseline="0" dirty="0" err="1" smtClean="0"/>
+              <a:rPr lang="en-US" baseline="0" dirty="0" err="1"/>
               <a:t>eficiente</a:t>
             </a:r>
-            <a:endParaRPr lang="en-US" baseline="0" dirty="0" smtClean="0"/>
+            <a:endParaRPr lang="en-US" baseline="0" dirty="0"/>
           </a:p>
         </p:txBody>
       </p:sp>
@@ -1054,7 +1053,7 @@
           </a:lstStyle>
           <a:p>
             <a:r>
-              <a:rPr lang="en-US" smtClean="0"/>
+              <a:rPr lang="en-US"/>
               <a:t>Click to edit Master title style</a:t>
             </a:r>
             <a:endParaRPr lang="en-US" dirty="0"/>
@@ -1174,7 +1173,7 @@
           </a:lstStyle>
           <a:p>
             <a:r>
-              <a:rPr lang="en-US" smtClean="0"/>
+              <a:rPr lang="en-US"/>
               <a:t>Click to edit Master subtitle style</a:t>
             </a:r>
             <a:endParaRPr lang="en-US" dirty="0"/>
@@ -1214,7 +1213,7 @@
             <a:fld id="{5923F103-BC34-4FE4-A40E-EDDEECFDA5D0}" type="datetimeFigureOut">
               <a:rPr lang="en-US" dirty="0"/>
               <a:pPr/>
-              <a:t>7/13/17</a:t>
+              <a:t>12/13/18</a:t>
             </a:fld>
             <a:endParaRPr lang="en-US" dirty="0"/>
           </a:p>
@@ -2121,7 +2120,7 @@
           </a:lstStyle>
           <a:p>
             <a:r>
-              <a:rPr lang="en-US" smtClean="0"/>
+              <a:rPr lang="en-US"/>
               <a:t>Click to edit Master title style</a:t>
             </a:r>
             <a:endParaRPr lang="en-US" dirty="0"/>
@@ -2200,7 +2199,7 @@
           </a:lstStyle>
           <a:p>
             <a:r>
-              <a:rPr lang="en-US" smtClean="0"/>
+              <a:rPr lang="en-US"/>
               <a:t>Drag picture to placeholder or click icon to add</a:t>
             </a:r>
             <a:endParaRPr lang="en-US" dirty="0"/>
@@ -2275,7 +2274,7 @@
           <a:p>
             <a:pPr lvl="0"/>
             <a:r>
-              <a:rPr lang="en-US" smtClean="0"/>
+              <a:rPr lang="en-US"/>
               <a:t>Click to edit Master text styles</a:t>
             </a:r>
           </a:p>
@@ -2298,7 +2297,7 @@
           <a:p>
             <a:fld id="{923A1CC3-2375-41D4-9E03-427CAF2A4C1A}" type="datetimeFigureOut">
               <a:rPr lang="en-US" dirty="0"/>
-              <a:t>7/13/17</a:t>
+              <a:t>12/13/18</a:t>
             </a:fld>
             <a:endParaRPr lang="en-US" dirty="0"/>
           </a:p>
@@ -3183,7 +3182,7 @@
           </a:lstStyle>
           <a:p>
             <a:r>
-              <a:rPr lang="en-US" smtClean="0"/>
+              <a:rPr lang="en-US"/>
               <a:t>Click to edit Master title style</a:t>
             </a:r>
             <a:endParaRPr lang="en-US" dirty="0"/>
@@ -3251,7 +3250,7 @@
           <a:p>
             <a:pPr lvl="0"/>
             <a:r>
-              <a:rPr lang="en-US" smtClean="0"/>
+              <a:rPr lang="en-US"/>
               <a:t>Click to edit Master text styles</a:t>
             </a:r>
           </a:p>
@@ -3274,7 +3273,7 @@
           <a:p>
             <a:fld id="{AFF16868-8199-4C2C-A5B1-63AEE139F88E}" type="datetimeFigureOut">
               <a:rPr lang="en-US" dirty="0"/>
-              <a:t>7/13/17</a:t>
+              <a:t>12/13/18</a:t>
             </a:fld>
             <a:endParaRPr lang="en-US" dirty="0"/>
           </a:p>
@@ -4237,7 +4236,7 @@
           </a:lstStyle>
           <a:p>
             <a:r>
-              <a:rPr lang="en-US" smtClean="0"/>
+              <a:rPr lang="en-US"/>
               <a:t>Click to edit Master title style</a:t>
             </a:r>
             <a:endParaRPr lang="en-US" dirty="0"/>
@@ -4314,7 +4313,7 @@
           <a:p>
             <a:pPr lvl="0"/>
             <a:r>
-              <a:rPr lang="en-US" smtClean="0"/>
+              <a:rPr lang="en-US"/>
               <a:t>Click to edit Master text styles</a:t>
             </a:r>
           </a:p>
@@ -4381,7 +4380,7 @@
           <a:p>
             <a:pPr lvl="0"/>
             <a:r>
-              <a:rPr lang="en-US" smtClean="0"/>
+              <a:rPr lang="en-US"/>
               <a:t>Click to edit Master text styles</a:t>
             </a:r>
           </a:p>
@@ -4404,7 +4403,7 @@
           <a:p>
             <a:fld id="{AAD9FF7F-6988-44CC-821B-644E70CD2F73}" type="datetimeFigureOut">
               <a:rPr lang="en-US" dirty="0"/>
-              <a:t>7/13/17</a:t>
+              <a:t>12/13/18</a:t>
             </a:fld>
             <a:endParaRPr lang="en-US" dirty="0"/>
           </a:p>
@@ -5289,7 +5288,7 @@
           </a:lstStyle>
           <a:p>
             <a:r>
-              <a:rPr lang="en-US" smtClean="0"/>
+              <a:rPr lang="en-US"/>
               <a:t>Click to edit Master title style</a:t>
             </a:r>
             <a:endParaRPr lang="en-US" dirty="0"/>
@@ -5410,7 +5409,7 @@
           <a:p>
             <a:pPr lvl="0"/>
             <a:r>
-              <a:rPr lang="en-US" smtClean="0"/>
+              <a:rPr lang="en-US"/>
               <a:t>Click to edit Master text styles</a:t>
             </a:r>
           </a:p>
@@ -5433,7 +5432,7 @@
           <a:p>
             <a:fld id="{5C12C299-16B2-4475-990D-751901EACC14}" type="datetimeFigureOut">
               <a:rPr lang="en-US" dirty="0"/>
-              <a:t>7/13/17</a:t>
+              <a:t>12/13/18</a:t>
             </a:fld>
             <a:endParaRPr lang="en-US" dirty="0"/>
           </a:p>
@@ -5568,7 +5567,7 @@
           </a:lstStyle>
           <a:p>
             <a:r>
-              <a:rPr lang="en-US" smtClean="0"/>
+              <a:rPr lang="en-US"/>
               <a:t>Click to edit Master title style</a:t>
             </a:r>
             <a:endParaRPr lang="en-US" dirty="0"/>
@@ -5643,7 +5642,7 @@
           <a:p>
             <a:pPr lvl="0"/>
             <a:r>
-              <a:rPr lang="en-US" smtClean="0"/>
+              <a:rPr lang="en-US"/>
               <a:t>Click to edit Master text styles</a:t>
             </a:r>
           </a:p>
@@ -5710,7 +5709,7 @@
           <a:p>
             <a:pPr lvl="0"/>
             <a:r>
-              <a:rPr lang="en-US" smtClean="0"/>
+              <a:rPr lang="en-US"/>
               <a:t>Click to edit Master text styles</a:t>
             </a:r>
           </a:p>
@@ -5784,7 +5783,7 @@
           <a:p>
             <a:pPr lvl="0"/>
             <a:r>
-              <a:rPr lang="en-US" smtClean="0"/>
+              <a:rPr lang="en-US"/>
               <a:t>Click to edit Master text styles</a:t>
             </a:r>
           </a:p>
@@ -5851,7 +5850,7 @@
           <a:p>
             <a:pPr lvl="0"/>
             <a:r>
-              <a:rPr lang="en-US" smtClean="0"/>
+              <a:rPr lang="en-US"/>
               <a:t>Click to edit Master text styles</a:t>
             </a:r>
           </a:p>
@@ -5925,7 +5924,7 @@
           <a:p>
             <a:pPr lvl="0"/>
             <a:r>
-              <a:rPr lang="en-US" smtClean="0"/>
+              <a:rPr lang="en-US"/>
               <a:t>Click to edit Master text styles</a:t>
             </a:r>
           </a:p>
@@ -5992,7 +5991,7 @@
           <a:p>
             <a:pPr lvl="0"/>
             <a:r>
-              <a:rPr lang="en-US" smtClean="0"/>
+              <a:rPr lang="en-US"/>
               <a:t>Click to edit Master text styles</a:t>
             </a:r>
           </a:p>
@@ -6089,7 +6088,7 @@
           <a:p>
             <a:fld id="{9FE86839-B9D8-4651-8783-F325ECE74E65}" type="datetimeFigureOut">
               <a:rPr lang="en-US" dirty="0"/>
-              <a:t>7/13/17</a:t>
+              <a:t>12/13/18</a:t>
             </a:fld>
             <a:endParaRPr lang="en-US" dirty="0"/>
           </a:p>
@@ -6188,7 +6187,7 @@
           </a:lstStyle>
           <a:p>
             <a:r>
-              <a:rPr lang="en-US" smtClean="0"/>
+              <a:rPr lang="en-US"/>
               <a:t>Click to edit Master title style</a:t>
             </a:r>
             <a:endParaRPr lang="en-US" dirty="0"/>
@@ -6263,7 +6262,7 @@
           <a:p>
             <a:pPr lvl="0"/>
             <a:r>
-              <a:rPr lang="en-US" smtClean="0"/>
+              <a:rPr lang="en-US"/>
               <a:t>Click to edit Master text styles</a:t>
             </a:r>
           </a:p>
@@ -6341,7 +6340,7 @@
           </a:lstStyle>
           <a:p>
             <a:r>
-              <a:rPr lang="en-US" smtClean="0"/>
+              <a:rPr lang="en-US"/>
               <a:t>Drag picture to placeholder or click icon to add</a:t>
             </a:r>
             <a:endParaRPr lang="en-US" dirty="0"/>
@@ -6409,7 +6408,7 @@
           <a:p>
             <a:pPr lvl="0"/>
             <a:r>
-              <a:rPr lang="en-US" smtClean="0"/>
+              <a:rPr lang="en-US"/>
               <a:t>Click to edit Master text styles</a:t>
             </a:r>
           </a:p>
@@ -6483,7 +6482,7 @@
           <a:p>
             <a:pPr lvl="0"/>
             <a:r>
-              <a:rPr lang="en-US" smtClean="0"/>
+              <a:rPr lang="en-US"/>
               <a:t>Click to edit Master text styles</a:t>
             </a:r>
           </a:p>
@@ -6561,7 +6560,7 @@
           </a:lstStyle>
           <a:p>
             <a:r>
-              <a:rPr lang="en-US" smtClean="0"/>
+              <a:rPr lang="en-US"/>
               <a:t>Drag picture to placeholder or click icon to add</a:t>
             </a:r>
             <a:endParaRPr lang="en-US" dirty="0"/>
@@ -6629,7 +6628,7 @@
           <a:p>
             <a:pPr lvl="0"/>
             <a:r>
-              <a:rPr lang="en-US" smtClean="0"/>
+              <a:rPr lang="en-US"/>
               <a:t>Click to edit Master text styles</a:t>
             </a:r>
           </a:p>
@@ -6703,7 +6702,7 @@
           <a:p>
             <a:pPr lvl="0"/>
             <a:r>
-              <a:rPr lang="en-US" smtClean="0"/>
+              <a:rPr lang="en-US"/>
               <a:t>Click to edit Master text styles</a:t>
             </a:r>
           </a:p>
@@ -6781,7 +6780,7 @@
           </a:lstStyle>
           <a:p>
             <a:r>
-              <a:rPr lang="en-US" smtClean="0"/>
+              <a:rPr lang="en-US"/>
               <a:t>Drag picture to placeholder or click icon to add</a:t>
             </a:r>
             <a:endParaRPr lang="en-US" dirty="0"/>
@@ -6849,7 +6848,7 @@
           <a:p>
             <a:pPr lvl="0"/>
             <a:r>
-              <a:rPr lang="en-US" smtClean="0"/>
+              <a:rPr lang="en-US"/>
               <a:t>Click to edit Master text styles</a:t>
             </a:r>
           </a:p>
@@ -6946,7 +6945,7 @@
           <a:p>
             <a:fld id="{FD484F64-32F6-45C5-931F-ADC1662401D0}" type="datetimeFigureOut">
               <a:rPr lang="en-US" dirty="0"/>
-              <a:t>7/13/17</a:t>
+              <a:t>12/13/18</a:t>
             </a:fld>
             <a:endParaRPr lang="en-US" dirty="0"/>
           </a:p>
@@ -7046,7 +7045,7 @@
           <a:lstStyle/>
           <a:p>
             <a:r>
-              <a:rPr lang="en-US" smtClean="0"/>
+              <a:rPr lang="en-US"/>
               <a:t>Click to edit Master title style</a:t>
             </a:r>
             <a:endParaRPr lang="en-US" dirty="0"/>
@@ -7075,35 +7074,35 @@
           <a:p>
             <a:pPr lvl="0"/>
             <a:r>
-              <a:rPr lang="en-US" smtClean="0"/>
+              <a:rPr lang="en-US"/>
               <a:t>Click to edit Master text styles</a:t>
             </a:r>
           </a:p>
           <a:p>
             <a:pPr lvl="1"/>
             <a:r>
-              <a:rPr lang="en-US" smtClean="0"/>
+              <a:rPr lang="en-US"/>
               <a:t>Second level</a:t>
             </a:r>
           </a:p>
           <a:p>
             <a:pPr lvl="2"/>
             <a:r>
-              <a:rPr lang="en-US" smtClean="0"/>
+              <a:rPr lang="en-US"/>
               <a:t>Third level</a:t>
             </a:r>
           </a:p>
           <a:p>
             <a:pPr lvl="3"/>
             <a:r>
-              <a:rPr lang="en-US" smtClean="0"/>
+              <a:rPr lang="en-US"/>
               <a:t>Fourth level</a:t>
             </a:r>
           </a:p>
           <a:p>
             <a:pPr lvl="4"/>
             <a:r>
-              <a:rPr lang="en-US" smtClean="0"/>
+              <a:rPr lang="en-US"/>
               <a:t>Fifth level</a:t>
             </a:r>
             <a:endParaRPr lang="en-US" dirty="0"/>
@@ -7132,7 +7131,7 @@
           <a:p>
             <a:fld id="{53086D93-FCAC-47E0-A2EE-787E62CA814C}" type="datetimeFigureOut">
               <a:rPr lang="en-US" dirty="0"/>
-              <a:t>7/13/17</a:t>
+              <a:t>12/13/18</a:t>
             </a:fld>
             <a:endParaRPr lang="en-US" dirty="0"/>
           </a:p>
@@ -8014,7 +8013,7 @@
           <a:lstStyle/>
           <a:p>
             <a:r>
-              <a:rPr lang="en-US" smtClean="0"/>
+              <a:rPr lang="en-US"/>
               <a:t>Click to edit Master title style</a:t>
             </a:r>
             <a:endParaRPr lang="en-US" dirty="0"/>
@@ -8043,35 +8042,35 @@
           <a:p>
             <a:pPr lvl="0"/>
             <a:r>
-              <a:rPr lang="en-US" smtClean="0"/>
+              <a:rPr lang="en-US"/>
               <a:t>Click to edit Master text styles</a:t>
             </a:r>
           </a:p>
           <a:p>
             <a:pPr lvl="1"/>
             <a:r>
-              <a:rPr lang="en-US" smtClean="0"/>
+              <a:rPr lang="en-US"/>
               <a:t>Second level</a:t>
             </a:r>
           </a:p>
           <a:p>
             <a:pPr lvl="2"/>
             <a:r>
-              <a:rPr lang="en-US" smtClean="0"/>
+              <a:rPr lang="en-US"/>
               <a:t>Third level</a:t>
             </a:r>
           </a:p>
           <a:p>
             <a:pPr lvl="3"/>
             <a:r>
-              <a:rPr lang="en-US" smtClean="0"/>
+              <a:rPr lang="en-US"/>
               <a:t>Fourth level</a:t>
             </a:r>
           </a:p>
           <a:p>
             <a:pPr lvl="4"/>
             <a:r>
-              <a:rPr lang="en-US" smtClean="0"/>
+              <a:rPr lang="en-US"/>
               <a:t>Fifth level</a:t>
             </a:r>
             <a:endParaRPr lang="en-US" dirty="0"/>
@@ -8100,7 +8099,7 @@
           <a:p>
             <a:fld id="{CDA879A6-0FD0-4734-A311-86BFCA472E6E}" type="datetimeFigureOut">
               <a:rPr lang="en-US" dirty="0"/>
-              <a:t>7/13/17</a:t>
+              <a:t>12/13/18</a:t>
             </a:fld>
             <a:endParaRPr lang="en-US" dirty="0"/>
           </a:p>
@@ -8226,7 +8225,7 @@
           <a:lstStyle/>
           <a:p>
             <a:r>
-              <a:rPr lang="en-US" smtClean="0"/>
+              <a:rPr lang="en-US"/>
               <a:t>Click to edit Master title style</a:t>
             </a:r>
             <a:endParaRPr lang="en-US" dirty="0"/>
@@ -8255,35 +8254,35 @@
           <a:p>
             <a:pPr lvl="0"/>
             <a:r>
-              <a:rPr lang="en-US" smtClean="0"/>
+              <a:rPr lang="en-US"/>
               <a:t>Click to edit Master text styles</a:t>
             </a:r>
           </a:p>
           <a:p>
             <a:pPr lvl="1"/>
             <a:r>
-              <a:rPr lang="en-US" smtClean="0"/>
+              <a:rPr lang="en-US"/>
               <a:t>Second level</a:t>
             </a:r>
           </a:p>
           <a:p>
             <a:pPr lvl="2"/>
             <a:r>
-              <a:rPr lang="en-US" smtClean="0"/>
+              <a:rPr lang="en-US"/>
               <a:t>Third level</a:t>
             </a:r>
           </a:p>
           <a:p>
             <a:pPr lvl="3"/>
             <a:r>
-              <a:rPr lang="en-US" smtClean="0"/>
+              <a:rPr lang="en-US"/>
               <a:t>Fourth level</a:t>
             </a:r>
           </a:p>
           <a:p>
             <a:pPr lvl="4"/>
             <a:r>
-              <a:rPr lang="en-US" smtClean="0"/>
+              <a:rPr lang="en-US"/>
               <a:t>Fifth level</a:t>
             </a:r>
             <a:endParaRPr lang="en-US" dirty="0"/>
@@ -8307,7 +8306,7 @@
           <a:p>
             <a:fld id="{19C9CA7B-DFD4-44B5-8C60-D14B8CD1FB59}" type="datetimeFigureOut">
               <a:rPr lang="en-US" dirty="0"/>
-              <a:t>7/13/17</a:t>
+              <a:t>12/13/18</a:t>
             </a:fld>
             <a:endParaRPr lang="en-US" dirty="0"/>
           </a:p>
@@ -9193,7 +9192,7 @@
           </a:lstStyle>
           <a:p>
             <a:r>
-              <a:rPr lang="en-US" smtClean="0"/>
+              <a:rPr lang="en-US"/>
               <a:t>Click to edit Master title style</a:t>
             </a:r>
             <a:endParaRPr lang="en-US" dirty="0"/>
@@ -9314,7 +9313,7 @@
           <a:p>
             <a:pPr lvl="0"/>
             <a:r>
-              <a:rPr lang="en-US" smtClean="0"/>
+              <a:rPr lang="en-US"/>
               <a:t>Click to edit Master text styles</a:t>
             </a:r>
           </a:p>
@@ -9337,7 +9336,7 @@
           <a:p>
             <a:fld id="{F34E6425-0181-43F2-84FC-787E803FD2F8}" type="datetimeFigureOut">
               <a:rPr lang="en-US" dirty="0"/>
-              <a:t>7/13/17</a:t>
+              <a:t>12/13/18</a:t>
             </a:fld>
             <a:endParaRPr lang="en-US" dirty="0"/>
           </a:p>
@@ -9463,7 +9462,7 @@
           <a:lstStyle/>
           <a:p>
             <a:r>
-              <a:rPr lang="en-US" smtClean="0"/>
+              <a:rPr lang="en-US"/>
               <a:t>Click to edit Master title style</a:t>
             </a:r>
             <a:endParaRPr lang="en-US" dirty="0"/>
@@ -9494,35 +9493,35 @@
           <a:p>
             <a:pPr lvl="0"/>
             <a:r>
-              <a:rPr lang="en-US" smtClean="0"/>
+              <a:rPr lang="en-US"/>
               <a:t>Click to edit Master text styles</a:t>
             </a:r>
           </a:p>
           <a:p>
             <a:pPr lvl="1"/>
             <a:r>
-              <a:rPr lang="en-US" smtClean="0"/>
+              <a:rPr lang="en-US"/>
               <a:t>Second level</a:t>
             </a:r>
           </a:p>
           <a:p>
             <a:pPr lvl="2"/>
             <a:r>
-              <a:rPr lang="en-US" smtClean="0"/>
+              <a:rPr lang="en-US"/>
               <a:t>Third level</a:t>
             </a:r>
           </a:p>
           <a:p>
             <a:pPr lvl="3"/>
             <a:r>
-              <a:rPr lang="en-US" smtClean="0"/>
+              <a:rPr lang="en-US"/>
               <a:t>Fourth level</a:t>
             </a:r>
           </a:p>
           <a:p>
             <a:pPr lvl="4"/>
             <a:r>
-              <a:rPr lang="en-US" smtClean="0"/>
+              <a:rPr lang="en-US"/>
               <a:t>Fifth level</a:t>
             </a:r>
             <a:endParaRPr lang="en-US" dirty="0"/>
@@ -9553,35 +9552,35 @@
           <a:p>
             <a:pPr lvl="0"/>
             <a:r>
-              <a:rPr lang="en-US" smtClean="0"/>
+              <a:rPr lang="en-US"/>
               <a:t>Click to edit Master text styles</a:t>
             </a:r>
           </a:p>
           <a:p>
             <a:pPr lvl="1"/>
             <a:r>
-              <a:rPr lang="en-US" smtClean="0"/>
+              <a:rPr lang="en-US"/>
               <a:t>Second level</a:t>
             </a:r>
           </a:p>
           <a:p>
             <a:pPr lvl="2"/>
             <a:r>
-              <a:rPr lang="en-US" smtClean="0"/>
+              <a:rPr lang="en-US"/>
               <a:t>Third level</a:t>
             </a:r>
           </a:p>
           <a:p>
             <a:pPr lvl="3"/>
             <a:r>
-              <a:rPr lang="en-US" smtClean="0"/>
+              <a:rPr lang="en-US"/>
               <a:t>Fourth level</a:t>
             </a:r>
           </a:p>
           <a:p>
             <a:pPr lvl="4"/>
             <a:r>
-              <a:rPr lang="en-US" smtClean="0"/>
+              <a:rPr lang="en-US"/>
               <a:t>Fifth level</a:t>
             </a:r>
             <a:endParaRPr lang="en-US" dirty="0"/>
@@ -9605,7 +9604,7 @@
           <a:p>
             <a:fld id="{3BDB8791-F1B0-41E7-B7FD-A781E65C4266}" type="datetimeFigureOut">
               <a:rPr lang="en-US" dirty="0"/>
-              <a:t>7/13/17</a:t>
+              <a:t>12/13/18</a:t>
             </a:fld>
             <a:endParaRPr lang="en-US" dirty="0"/>
           </a:p>
@@ -9699,7 +9698,7 @@
           </a:lstStyle>
           <a:p>
             <a:r>
-              <a:rPr lang="en-US" smtClean="0"/>
+              <a:rPr lang="en-US"/>
               <a:t>Click to edit Master title style</a:t>
             </a:r>
             <a:endParaRPr lang="en-US" dirty="0"/>
@@ -9771,7 +9770,7 @@
           <a:p>
             <a:pPr lvl="0"/>
             <a:r>
-              <a:rPr lang="en-US" smtClean="0"/>
+              <a:rPr lang="en-US"/>
               <a:t>Click to edit Master text styles</a:t>
             </a:r>
           </a:p>
@@ -9801,35 +9800,35 @@
           <a:p>
             <a:pPr lvl="0"/>
             <a:r>
-              <a:rPr lang="en-US" smtClean="0"/>
+              <a:rPr lang="en-US"/>
               <a:t>Click to edit Master text styles</a:t>
             </a:r>
           </a:p>
           <a:p>
             <a:pPr lvl="1"/>
             <a:r>
-              <a:rPr lang="en-US" smtClean="0"/>
+              <a:rPr lang="en-US"/>
               <a:t>Second level</a:t>
             </a:r>
           </a:p>
           <a:p>
             <a:pPr lvl="2"/>
             <a:r>
-              <a:rPr lang="en-US" smtClean="0"/>
+              <a:rPr lang="en-US"/>
               <a:t>Third level</a:t>
             </a:r>
           </a:p>
           <a:p>
             <a:pPr lvl="3"/>
             <a:r>
-              <a:rPr lang="en-US" smtClean="0"/>
+              <a:rPr lang="en-US"/>
               <a:t>Fourth level</a:t>
             </a:r>
           </a:p>
           <a:p>
             <a:pPr lvl="4"/>
             <a:r>
-              <a:rPr lang="en-US" smtClean="0"/>
+              <a:rPr lang="en-US"/>
               <a:t>Fifth level</a:t>
             </a:r>
             <a:endParaRPr lang="en-US" dirty="0"/>
@@ -9901,7 +9900,7 @@
           <a:p>
             <a:pPr lvl="0"/>
             <a:r>
-              <a:rPr lang="en-US" smtClean="0"/>
+              <a:rPr lang="en-US"/>
               <a:t>Click to edit Master text styles</a:t>
             </a:r>
           </a:p>
@@ -9959,35 +9958,35 @@
           <a:p>
             <a:pPr lvl="0"/>
             <a:r>
-              <a:rPr lang="en-US" smtClean="0"/>
+              <a:rPr lang="en-US"/>
               <a:t>Click to edit Master text styles</a:t>
             </a:r>
           </a:p>
           <a:p>
             <a:pPr lvl="1"/>
             <a:r>
-              <a:rPr lang="en-US" smtClean="0"/>
+              <a:rPr lang="en-US"/>
               <a:t>Second level</a:t>
             </a:r>
           </a:p>
           <a:p>
             <a:pPr lvl="2"/>
             <a:r>
-              <a:rPr lang="en-US" smtClean="0"/>
+              <a:rPr lang="en-US"/>
               <a:t>Third level</a:t>
             </a:r>
           </a:p>
           <a:p>
             <a:pPr lvl="3"/>
             <a:r>
-              <a:rPr lang="en-US" smtClean="0"/>
+              <a:rPr lang="en-US"/>
               <a:t>Fourth level</a:t>
             </a:r>
           </a:p>
           <a:p>
             <a:pPr lvl="4"/>
             <a:r>
-              <a:rPr lang="en-US" smtClean="0"/>
+              <a:rPr lang="en-US"/>
               <a:t>Fifth level</a:t>
             </a:r>
             <a:endParaRPr lang="en-US" dirty="0"/>
@@ -10011,7 +10010,7 @@
           <a:p>
             <a:fld id="{5FDD63B2-E120-4ED8-B27B-C685F510A5FE}" type="datetimeFigureOut">
               <a:rPr lang="en-US" dirty="0"/>
-              <a:t>7/13/17</a:t>
+              <a:t>12/13/18</a:t>
             </a:fld>
             <a:endParaRPr lang="en-US" dirty="0"/>
           </a:p>
@@ -10110,7 +10109,7 @@
           </a:lstStyle>
           <a:p>
             <a:r>
-              <a:rPr lang="en-US" smtClean="0"/>
+              <a:rPr lang="en-US"/>
               <a:t>Click to edit Master title style</a:t>
             </a:r>
             <a:endParaRPr lang="en-US" dirty="0"/>
@@ -10134,7 +10133,7 @@
           <a:p>
             <a:fld id="{7AA18ACC-A947-437B-A130-35BD54FDF1E9}" type="datetimeFigureOut">
               <a:rPr lang="en-US" dirty="0"/>
-              <a:t>7/13/17</a:t>
+              <a:t>12/13/18</a:t>
             </a:fld>
             <a:endParaRPr lang="en-US" dirty="0"/>
           </a:p>
@@ -10225,7 +10224,7 @@
           <a:p>
             <a:fld id="{7C8D7E02-BCB8-4D50-A234-369438C08659}" type="datetimeFigureOut">
               <a:rPr lang="en-US" dirty="0"/>
-              <a:t>7/13/17</a:t>
+              <a:t>12/13/18</a:t>
             </a:fld>
             <a:endParaRPr lang="en-US" dirty="0"/>
           </a:p>
@@ -11147,7 +11146,7 @@
           </a:lstStyle>
           <a:p>
             <a:r>
-              <a:rPr lang="en-US" smtClean="0"/>
+              <a:rPr lang="en-US"/>
               <a:t>Click to edit Master title style</a:t>
             </a:r>
             <a:endParaRPr lang="en-US" dirty="0"/>
@@ -11178,35 +11177,35 @@
           <a:p>
             <a:pPr lvl="0"/>
             <a:r>
-              <a:rPr lang="en-US" smtClean="0"/>
+              <a:rPr lang="en-US"/>
               <a:t>Click to edit Master text styles</a:t>
             </a:r>
           </a:p>
           <a:p>
             <a:pPr lvl="1"/>
             <a:r>
-              <a:rPr lang="en-US" smtClean="0"/>
+              <a:rPr lang="en-US"/>
               <a:t>Second level</a:t>
             </a:r>
           </a:p>
           <a:p>
             <a:pPr lvl="2"/>
             <a:r>
-              <a:rPr lang="en-US" smtClean="0"/>
+              <a:rPr lang="en-US"/>
               <a:t>Third level</a:t>
             </a:r>
           </a:p>
           <a:p>
             <a:pPr lvl="3"/>
             <a:r>
-              <a:rPr lang="en-US" smtClean="0"/>
+              <a:rPr lang="en-US"/>
               <a:t>Fourth level</a:t>
             </a:r>
           </a:p>
           <a:p>
             <a:pPr lvl="4"/>
             <a:r>
-              <a:rPr lang="en-US" smtClean="0"/>
+              <a:rPr lang="en-US"/>
               <a:t>Fifth level</a:t>
             </a:r>
             <a:endParaRPr lang="en-US" dirty="0"/>
@@ -11279,7 +11278,7 @@
           <a:p>
             <a:pPr lvl="0"/>
             <a:r>
-              <a:rPr lang="en-US" smtClean="0"/>
+              <a:rPr lang="en-US"/>
               <a:t>Click to edit Master text styles</a:t>
             </a:r>
           </a:p>
@@ -11302,7 +11301,7 @@
           <a:p>
             <a:fld id="{76E86A4C-8E40-4F87-A4F0-01A0687C5742}" type="datetimeFigureOut">
               <a:rPr lang="en-US" dirty="0"/>
-              <a:t>7/13/17</a:t>
+              <a:t>12/13/18</a:t>
             </a:fld>
             <a:endParaRPr lang="en-US" dirty="0"/>
           </a:p>
@@ -12226,7 +12225,7 @@
           </a:lstStyle>
           <a:p>
             <a:r>
-              <a:rPr lang="en-US" smtClean="0"/>
+              <a:rPr lang="en-US"/>
               <a:t>Click to edit Master title style</a:t>
             </a:r>
             <a:endParaRPr lang="en-US" dirty="0"/>
@@ -12308,7 +12307,7 @@
               <a:buNone/>
             </a:pPr>
             <a:r>
-              <a:rPr lang="en-US" smtClean="0"/>
+              <a:rPr lang="en-US"/>
               <a:t>Drag picture to placeholder or click icon to add</a:t>
             </a:r>
             <a:endParaRPr lang="en-US" dirty="0"/>
@@ -12383,7 +12382,7 @@
           <a:p>
             <a:pPr lvl="0"/>
             <a:r>
-              <a:rPr lang="en-US" smtClean="0"/>
+              <a:rPr lang="en-US"/>
               <a:t>Click to edit Master text styles</a:t>
             </a:r>
           </a:p>
@@ -12406,7 +12405,7 @@
           <a:p>
             <a:fld id="{35E72C73-2D91-4E12-BA25-F0AA0C03599B}" type="datetimeFigureOut">
               <a:rPr lang="en-US" dirty="0"/>
-              <a:t>7/13/17</a:t>
+              <a:t>12/13/18</a:t>
             </a:fld>
             <a:endParaRPr lang="en-US" dirty="0"/>
           </a:p>
@@ -13297,7 +13296,7 @@
           <a:lstStyle/>
           <a:p>
             <a:r>
-              <a:rPr lang="en-US" smtClean="0"/>
+              <a:rPr lang="en-US"/>
               <a:t>Click to edit Master title style</a:t>
             </a:r>
             <a:endParaRPr lang="en-US" dirty="0"/>
@@ -13331,35 +13330,35 @@
           <a:p>
             <a:pPr lvl="0"/>
             <a:r>
-              <a:rPr lang="en-US" smtClean="0"/>
+              <a:rPr lang="en-US"/>
               <a:t>Click to edit Master text styles</a:t>
             </a:r>
           </a:p>
           <a:p>
             <a:pPr lvl="1"/>
             <a:r>
-              <a:rPr lang="en-US" smtClean="0"/>
+              <a:rPr lang="en-US"/>
               <a:t>Second level</a:t>
             </a:r>
           </a:p>
           <a:p>
             <a:pPr lvl="2"/>
             <a:r>
-              <a:rPr lang="en-US" smtClean="0"/>
+              <a:rPr lang="en-US"/>
               <a:t>Third level</a:t>
             </a:r>
           </a:p>
           <a:p>
             <a:pPr lvl="3"/>
             <a:r>
-              <a:rPr lang="en-US" smtClean="0"/>
+              <a:rPr lang="en-US"/>
               <a:t>Fourth level</a:t>
             </a:r>
           </a:p>
           <a:p>
             <a:pPr lvl="4"/>
             <a:r>
-              <a:rPr lang="en-US" smtClean="0"/>
+              <a:rPr lang="en-US"/>
               <a:t>Fifth level</a:t>
             </a:r>
             <a:endParaRPr lang="en-US" dirty="0"/>
@@ -13399,7 +13398,7 @@
           <a:p>
             <a:fld id="{2BE451C3-0FF4-47C4-B829-773ADF60F88C}" type="datetimeFigureOut">
               <a:rPr lang="en-US" dirty="0"/>
-              <a:t>7/13/17</a:t>
+              <a:t>12/13/18</a:t>
             </a:fld>
             <a:endParaRPr lang="en-US" dirty="0"/>
           </a:p>
@@ -13972,11 +13971,7 @@
           <a:p>
             <a:r>
               <a:rPr lang="en-US" dirty="0" err="1"/>
-              <a:t>m</a:t>
-            </a:r>
-            <a:r>
-              <a:rPr lang="en-US" dirty="0" err="1" smtClean="0"/>
-              <a:t>ockatron</a:t>
+              <a:t>mockatron</a:t>
             </a:r>
             <a:endParaRPr lang="en-US" dirty="0"/>
           </a:p>
@@ -13998,10 +13993,9 @@
           <a:lstStyle/>
           <a:p>
             <a:r>
-              <a:rPr lang="en-US" dirty="0" smtClean="0"/>
+              <a:rPr lang="en-US" dirty="0"/>
               <a:t>A Simple Mock Server</a:t>
             </a:r>
-            <a:endParaRPr lang="en-US" dirty="0"/>
           </a:p>
         </p:txBody>
       </p:sp>
@@ -14057,7 +14051,7 @@
                   <a:schemeClr val="bg1"/>
                 </a:solidFill>
               </a:rPr>
-              <a:t>rodrigozc</a:t>
+              <a:t>rzcastilho</a:t>
             </a:r>
             <a:r>
               <a:rPr lang="en-US" dirty="0">
@@ -14093,13 +14087,6 @@
   <p:clrMapOvr>
     <a:masterClrMapping/>
   </p:clrMapOvr>
-  <p:timing>
-    <p:tnLst>
-      <p:par>
-        <p:cTn id="1" dur="indefinite" restart="never" nodeType="tmRoot"/>
-      </p:par>
-    </p:tnLst>
-  </p:timing>
 </p:sld>
 </file>
 
@@ -14136,7 +14123,7 @@
           <a:lstStyle/>
           <a:p>
             <a:r>
-              <a:rPr lang="en-US" dirty="0" err="1" smtClean="0"/>
+              <a:rPr lang="en-US" dirty="0" err="1"/>
               <a:t>Funcionalidades</a:t>
             </a:r>
             <a:endParaRPr lang="en-US" dirty="0"/>
@@ -14166,178 +14153,164 @@
           <a:lstStyle/>
           <a:p>
             <a:r>
-              <a:rPr lang="en-US" dirty="0" err="1" smtClean="0"/>
+              <a:rPr lang="en-US" dirty="0" err="1"/>
               <a:t>Retorna</a:t>
             </a:r>
             <a:r>
-              <a:rPr lang="en-US" dirty="0" smtClean="0"/>
+              <a:rPr lang="en-US" dirty="0"/>
               <a:t> responses </a:t>
             </a:r>
             <a:r>
-              <a:rPr lang="en-US" dirty="0" err="1" smtClean="0"/>
+              <a:rPr lang="en-US" dirty="0" err="1"/>
               <a:t>cadastrados</a:t>
             </a:r>
             <a:r>
-              <a:rPr lang="en-US" dirty="0" smtClean="0"/>
+              <a:rPr lang="en-US" dirty="0"/>
               <a:t> para um </a:t>
             </a:r>
             <a:r>
-              <a:rPr lang="en-US" dirty="0" err="1" smtClean="0"/>
+              <a:rPr lang="en-US" dirty="0" err="1"/>
               <a:t>determinado</a:t>
             </a:r>
             <a:r>
-              <a:rPr lang="en-US" dirty="0" smtClean="0"/>
+              <a:rPr lang="en-US" dirty="0"/>
               <a:t> </a:t>
             </a:r>
             <a:r>
-              <a:rPr lang="en-US" dirty="0" err="1" smtClean="0"/>
+              <a:rPr lang="en-US" dirty="0" err="1"/>
               <a:t>serviço</a:t>
             </a:r>
             <a:r>
-              <a:rPr lang="en-US" dirty="0" smtClean="0"/>
+              <a:rPr lang="en-US" dirty="0"/>
               <a:t> </a:t>
             </a:r>
             <a:r>
-              <a:rPr lang="en-US" dirty="0" err="1" smtClean="0"/>
+              <a:rPr lang="en-US" dirty="0" err="1"/>
               <a:t>utilizando</a:t>
             </a:r>
             <a:r>
-              <a:rPr lang="en-US" dirty="0" smtClean="0"/>
+              <a:rPr lang="en-US" dirty="0"/>
+              <a:t> round-robin (Simple Mock Responder)</a:t>
+            </a:r>
+          </a:p>
+          <a:p>
+            <a:r>
+              <a:rPr lang="en-US" dirty="0" err="1"/>
+              <a:t>Responde</a:t>
+            </a:r>
+            <a:r>
+              <a:rPr lang="en-US" dirty="0"/>
+              <a:t> de </a:t>
+            </a:r>
+            <a:r>
+              <a:rPr lang="en-US" dirty="0" err="1"/>
+              <a:t>acordo</a:t>
+            </a:r>
+            <a:r>
+              <a:rPr lang="en-US" dirty="0"/>
+              <a:t> com </a:t>
+            </a:r>
+            <a:r>
+              <a:rPr lang="en-US" dirty="0" err="1"/>
+              <a:t>filtros</a:t>
+            </a:r>
+            <a:r>
+              <a:rPr lang="en-US" dirty="0"/>
               <a:t> </a:t>
             </a:r>
             <a:r>
+              <a:rPr lang="en-US" dirty="0" err="1"/>
+              <a:t>aplicados</a:t>
+            </a:r>
+            <a:r>
               <a:rPr lang="en-US" dirty="0"/>
-              <a:t>round-robin (Simple Mock Responder)</a:t>
-            </a:r>
-            <a:endParaRPr lang="en-US" dirty="0" smtClean="0"/>
-          </a:p>
-          <a:p>
-            <a:r>
-              <a:rPr lang="en-US" dirty="0" err="1" smtClean="0"/>
-              <a:t>Responde</a:t>
-            </a:r>
-            <a:r>
-              <a:rPr lang="en-US" dirty="0" smtClean="0"/>
-              <a:t> de </a:t>
-            </a:r>
-            <a:r>
-              <a:rPr lang="en-US" dirty="0" err="1" smtClean="0"/>
-              <a:t>acordo</a:t>
-            </a:r>
-            <a:r>
-              <a:rPr lang="en-US" dirty="0" smtClean="0"/>
-              <a:t> com </a:t>
-            </a:r>
-            <a:r>
-              <a:rPr lang="en-US" dirty="0" err="1" smtClean="0"/>
-              <a:t>filtros</a:t>
-            </a:r>
-            <a:r>
-              <a:rPr lang="en-US" dirty="0" smtClean="0"/>
               <a:t> </a:t>
             </a:r>
             <a:r>
-              <a:rPr lang="en-US" dirty="0" err="1" smtClean="0"/>
-              <a:t>aplicados</a:t>
-            </a:r>
-            <a:r>
-              <a:rPr lang="en-US" dirty="0" smtClean="0"/>
+              <a:rPr lang="en-US" dirty="0" err="1"/>
+              <a:t>aos</a:t>
+            </a:r>
+            <a:r>
+              <a:rPr lang="en-US" dirty="0"/>
+              <a:t> requests (Filter Mock Responder)</a:t>
+            </a:r>
+          </a:p>
+          <a:p>
+            <a:r>
+              <a:rPr lang="en-US" dirty="0"/>
+              <a:t>Interface para </a:t>
+            </a:r>
+            <a:r>
+              <a:rPr lang="en-US" dirty="0" err="1"/>
+              <a:t>configuração</a:t>
+            </a:r>
+            <a:r>
+              <a:rPr lang="en-US" dirty="0"/>
+              <a:t> dos mocks</a:t>
+            </a:r>
+          </a:p>
+          <a:p>
+            <a:r>
+              <a:rPr lang="en-US" dirty="0"/>
+              <a:t>Auto </a:t>
+            </a:r>
+            <a:r>
+              <a:rPr lang="en-US" dirty="0" err="1"/>
+              <a:t>config</a:t>
+            </a:r>
+            <a:r>
+              <a:rPr lang="en-US" dirty="0"/>
+              <a:t> que define </a:t>
+            </a:r>
+            <a:r>
+              <a:rPr lang="en-US" dirty="0" err="1"/>
+              <a:t>respostas</a:t>
+            </a:r>
+            <a:r>
+              <a:rPr lang="en-US" dirty="0"/>
               <a:t> </a:t>
             </a:r>
             <a:r>
-              <a:rPr lang="en-US" dirty="0" err="1" smtClean="0"/>
-              <a:t>aos</a:t>
-            </a:r>
-            <a:r>
-              <a:rPr lang="en-US" dirty="0" smtClean="0"/>
+              <a:rPr lang="en-US" dirty="0" err="1"/>
+              <a:t>padrão</a:t>
+            </a:r>
+            <a:r>
+              <a:rPr lang="en-US" dirty="0"/>
+              <a:t> para endpoints </a:t>
+            </a:r>
+            <a:r>
+              <a:rPr lang="en-US" dirty="0" err="1"/>
+              <a:t>não</a:t>
+            </a:r>
+            <a:r>
+              <a:rPr lang="en-US" dirty="0"/>
               <a:t> </a:t>
             </a:r>
             <a:r>
+              <a:rPr lang="en-US" dirty="0" err="1"/>
+              <a:t>cadastrados</a:t>
+            </a:r>
+            <a:endParaRPr lang="en-US" dirty="0"/>
+          </a:p>
+          <a:p>
+            <a:r>
               <a:rPr lang="en-US" dirty="0"/>
-              <a:t>requests (Filter Mock Responder)</a:t>
-            </a:r>
-            <a:endParaRPr lang="en-US" dirty="0" smtClean="0"/>
-          </a:p>
-          <a:p>
-            <a:r>
-              <a:rPr lang="en-US" dirty="0" smtClean="0"/>
-              <a:t>Interface para </a:t>
-            </a:r>
-            <a:r>
-              <a:rPr lang="en-US" dirty="0" err="1" smtClean="0"/>
-              <a:t>configuração</a:t>
-            </a:r>
-            <a:r>
-              <a:rPr lang="en-US" dirty="0" smtClean="0"/>
-              <a:t> dos mocks</a:t>
-            </a:r>
-          </a:p>
-          <a:p>
-            <a:r>
-              <a:rPr lang="en-US" dirty="0" smtClean="0"/>
-              <a:t>Auto </a:t>
-            </a:r>
-            <a:r>
-              <a:rPr lang="en-US" dirty="0" err="1" smtClean="0"/>
-              <a:t>config</a:t>
-            </a:r>
-            <a:r>
-              <a:rPr lang="en-US" dirty="0" smtClean="0"/>
+              <a:t>Responses </a:t>
+            </a:r>
+            <a:r>
+              <a:rPr lang="en-US" dirty="0" err="1"/>
+              <a:t>baseados</a:t>
+            </a:r>
+            <a:r>
+              <a:rPr lang="en-US" dirty="0"/>
               <a:t> </a:t>
             </a:r>
             <a:r>
-              <a:rPr lang="en-US" dirty="0" smtClean="0"/>
-              <a:t>que define </a:t>
-            </a:r>
-            <a:r>
-              <a:rPr lang="en-US" dirty="0" err="1" smtClean="0"/>
-              <a:t>respostas</a:t>
-            </a:r>
-            <a:r>
-              <a:rPr lang="en-US" dirty="0" smtClean="0"/>
-              <a:t> </a:t>
-            </a:r>
-            <a:r>
-              <a:rPr lang="en-US" dirty="0" err="1" smtClean="0"/>
-              <a:t>padrão</a:t>
-            </a:r>
-            <a:r>
-              <a:rPr lang="en-US" dirty="0" smtClean="0"/>
-              <a:t> para endpoints </a:t>
-            </a:r>
-            <a:r>
-              <a:rPr lang="en-US" dirty="0" err="1" smtClean="0"/>
-              <a:t>não</a:t>
-            </a:r>
-            <a:r>
-              <a:rPr lang="en-US" dirty="0" smtClean="0"/>
-              <a:t> </a:t>
-            </a:r>
-            <a:r>
-              <a:rPr lang="en-US" dirty="0" err="1" smtClean="0"/>
-              <a:t>cadastrados</a:t>
-            </a:r>
-            <a:endParaRPr lang="en-US" dirty="0" smtClean="0"/>
-          </a:p>
-          <a:p>
-            <a:r>
-              <a:rPr lang="en-US" dirty="0" smtClean="0"/>
-              <a:t>Responses </a:t>
-            </a:r>
-            <a:r>
-              <a:rPr lang="en-US" dirty="0" err="1" smtClean="0"/>
-              <a:t>baseados</a:t>
-            </a:r>
-            <a:r>
-              <a:rPr lang="en-US" dirty="0" smtClean="0"/>
-              <a:t> </a:t>
-            </a:r>
-            <a:r>
-              <a:rPr lang="en-US" dirty="0" err="1" smtClean="0"/>
+              <a:rPr lang="en-US" dirty="0" err="1"/>
               <a:t>em</a:t>
             </a:r>
             <a:r>
-              <a:rPr lang="en-US" dirty="0" smtClean="0"/>
+              <a:rPr lang="en-US" dirty="0"/>
               <a:t> templates do Django</a:t>
             </a:r>
           </a:p>
@@ -14727,7 +14700,7 @@
           <a:lstStyle/>
           <a:p>
             <a:r>
-              <a:rPr lang="en-US" dirty="0" err="1" smtClean="0"/>
+              <a:rPr lang="en-US" dirty="0" err="1"/>
               <a:t>Arquitetura</a:t>
             </a:r>
             <a:endParaRPr lang="en-US" dirty="0"/>
@@ -15181,10 +15154,9 @@
           <a:lstStyle/>
           <a:p>
             <a:r>
-              <a:rPr lang="en-US" dirty="0" smtClean="0"/>
+              <a:rPr lang="en-US" dirty="0"/>
               <a:t>Proxy</a:t>
             </a:r>
-            <a:endParaRPr lang="en-US" dirty="0"/>
           </a:p>
         </p:txBody>
       </p:sp>
@@ -15211,10 +15183,9 @@
           <a:lstStyle/>
           <a:p>
             <a:r>
-              <a:rPr lang="en-US" dirty="0" smtClean="0"/>
+              <a:rPr lang="en-US" dirty="0"/>
               <a:t>Application</a:t>
             </a:r>
-            <a:endParaRPr lang="en-US" dirty="0"/>
           </a:p>
         </p:txBody>
       </p:sp>
@@ -15241,10 +15212,9 @@
           <a:lstStyle/>
           <a:p>
             <a:r>
-              <a:rPr lang="en-US" dirty="0" smtClean="0"/>
+              <a:rPr lang="en-US" dirty="0"/>
               <a:t>Cache</a:t>
             </a:r>
-            <a:endParaRPr lang="en-US" dirty="0"/>
           </a:p>
         </p:txBody>
       </p:sp>
@@ -15271,10 +15241,9 @@
           <a:lstStyle/>
           <a:p>
             <a:r>
-              <a:rPr lang="en-US" dirty="0" smtClean="0"/>
+              <a:rPr lang="en-US" dirty="0"/>
               <a:t>Database</a:t>
             </a:r>
-            <a:endParaRPr lang="en-US" dirty="0"/>
           </a:p>
         </p:txBody>
       </p:sp>
@@ -15331,10 +15300,9 @@
           <a:lstStyle/>
           <a:p>
             <a:r>
-              <a:rPr lang="en-US" dirty="0" smtClean="0"/>
+              <a:rPr lang="en-US" dirty="0"/>
               <a:t>Front-end</a:t>
             </a:r>
-            <a:endParaRPr lang="en-US" dirty="0"/>
           </a:p>
         </p:txBody>
       </p:sp>
@@ -16302,10 +16270,9 @@
           <a:lstStyle/>
           <a:p>
             <a:r>
-              <a:rPr lang="en-US" dirty="0" smtClean="0"/>
+              <a:rPr lang="en-US" dirty="0"/>
               <a:t>Demo</a:t>
             </a:r>
-            <a:endParaRPr lang="en-US" dirty="0"/>
           </a:p>
         </p:txBody>
       </p:sp>
